--- a/doc/yunhui_dong_final_project_presentation_slides.pptx
+++ b/doc/yunhui_dong_final_project_presentation_slides.pptx
@@ -4038,7 +4038,7 @@
                 <a:cs typeface="Garet"/>
                 <a:sym typeface="Garet"/>
               </a:rPr>
-              <a:t>Though visualization ans statistical analysis, the project aims to identify the most influential factors behind price movements, understand the relationships between sentiment, network activity, and market behavior, and evaluate how effectively machine learning models can capture these patterns. </a:t>
+              <a:t>Though visualization and statistical analysis, the project aims to identify the most influential factors behind price movements, understand the relationships between sentiment, network activity, and market behavior, and evaluate how effectively machine learning models can capture these patterns. </a:t>
             </a:r>
           </a:p>
           <a:p>
